--- a/documents/working with message queue.pptx
+++ b/documents/working with message queue.pptx
@@ -32,9 +32,10 @@
     <p:sldId id="281" r:id="rId26"/>
     <p:sldId id="282" r:id="rId27"/>
     <p:sldId id="283" r:id="rId28"/>
-    <p:sldId id="284" r:id="rId29"/>
-    <p:sldId id="277" r:id="rId30"/>
-    <p:sldId id="285" r:id="rId31"/>
+    <p:sldId id="286" r:id="rId29"/>
+    <p:sldId id="284" r:id="rId30"/>
+    <p:sldId id="277" r:id="rId31"/>
+    <p:sldId id="285" r:id="rId32"/>
   </p:sldIdLst>
   <p:sldSz cx="12192000" cy="6858000"/>
   <p:notesSz cx="6858000" cy="9144000"/>
@@ -133,6 +134,11 @@
       </a:defRPr>
     </a:lvl9pPr>
   </p:defaultTextStyle>
+  <p:extLst>
+    <p:ext uri="{EFAFB233-063F-42B5-8137-9DF3F51BA10A}">
+      <p15:sldGuideLst xmlns:p15="http://schemas.microsoft.com/office/powerpoint/2012/main"/>
+    </p:ext>
+  </p:extLst>
 </p:presentation>
 </file>
 
@@ -7839,27 +7845,7 @@
             </a:r>
             <a:r>
               <a:rPr lang="en-US" altLang="zh-TW" dirty="0"/>
-              <a:t> </a:t>
-            </a:r>
-            <a:r>
-              <a:rPr lang="en-US" altLang="zh-TW" dirty="0"/>
-              <a:t>=</a:t>
-            </a:r>
-            <a:r>
-              <a:rPr lang="en-US" altLang="zh-TW" dirty="0"/>
-              <a:t> </a:t>
-            </a:r>
-            <a:r>
-              <a:rPr lang="en-US" altLang="zh-TW" dirty="0"/>
-              <a:t>require</a:t>
-            </a:r>
-            <a:r>
-              <a:rPr lang="en-US" altLang="zh-TW" dirty="0"/>
-              <a:t>(</a:t>
-            </a:r>
-            <a:r>
-              <a:rPr lang="en-US" altLang="zh-TW" dirty="0"/>
-              <a:t>'</a:t>
+              <a:t> = require('</a:t>
             </a:r>
             <a:r>
               <a:rPr lang="en-US" altLang="zh-TW" dirty="0" err="1"/>
@@ -7893,15 +7879,7 @@
             </a:r>
             <a:r>
               <a:rPr lang="en-US" altLang="zh-TW" dirty="0"/>
-              <a:t> connection </a:t>
-            </a:r>
-            <a:r>
-              <a:rPr lang="en-US" altLang="zh-TW" dirty="0"/>
-              <a:t>=</a:t>
-            </a:r>
-            <a:r>
-              <a:rPr lang="en-US" altLang="zh-TW" dirty="0"/>
-              <a:t> </a:t>
+              <a:t> connection = </a:t>
             </a:r>
             <a:r>
               <a:rPr lang="en-US" altLang="zh-TW" dirty="0" err="1"/>
@@ -7909,15 +7887,7 @@
             </a:r>
             <a:r>
               <a:rPr lang="en-US" altLang="zh-TW" dirty="0"/>
-              <a:t>({ host</a:t>
-            </a:r>
-            <a:r>
-              <a:rPr lang="en-US" altLang="zh-TW" dirty="0"/>
-              <a:t>:</a:t>
-            </a:r>
-            <a:r>
-              <a:rPr lang="en-US" altLang="zh-TW" dirty="0"/>
-              <a:t> </a:t>
+              <a:t>({ host: </a:t>
             </a:r>
             <a:r>
               <a:rPr lang="en-US" altLang="zh-TW" dirty="0" smtClean="0"/>
@@ -7949,11 +7919,7 @@
             </a:r>
             <a:r>
               <a:rPr lang="en-US" altLang="zh-TW" dirty="0"/>
-              <a:t>function</a:t>
-            </a:r>
-            <a:r>
-              <a:rPr lang="en-US" altLang="zh-TW" dirty="0"/>
-              <a:t> () </a:t>
+              <a:t>function () </a:t>
             </a:r>
             <a:r>
               <a:rPr lang="en-US" altLang="zh-TW" dirty="0" smtClean="0"/>
@@ -8605,15 +8571,7 @@
             </a:r>
             <a:r>
               <a:rPr lang="en-US" altLang="zh-TW" dirty="0"/>
-              <a:t> connection </a:t>
-            </a:r>
-            <a:r>
-              <a:rPr lang="en-US" altLang="zh-TW" dirty="0"/>
-              <a:t>=</a:t>
-            </a:r>
-            <a:r>
-              <a:rPr lang="en-US" altLang="zh-TW" dirty="0"/>
-              <a:t> </a:t>
+              <a:t> connection = </a:t>
             </a:r>
             <a:r>
               <a:rPr lang="en-US" altLang="zh-TW" dirty="0" err="1" smtClean="0"/>
@@ -12101,8 +12059,8 @@
         </p:nvSpPr>
         <p:spPr>
           <a:xfrm>
-            <a:off x="5123146" y="2906038"/>
-            <a:ext cx="1723549" cy="1015663"/>
+            <a:off x="0" y="576197"/>
+            <a:ext cx="12192000" cy="830997"/>
           </a:xfrm>
           <a:prstGeom prst="rect">
             <a:avLst/>
@@ -12110,20 +12068,21 @@
           <a:noFill/>
         </p:spPr>
         <p:txBody>
-          <a:bodyPr wrap="none" rtlCol="0">
+          <a:bodyPr wrap="square" rtlCol="0">
             <a:spAutoFit/>
           </a:bodyPr>
           <a:lstStyle/>
           <a:p>
-            <a:r>
-              <a:rPr kumimoji="1" lang="zh-TW" altLang="en-US" sz="6000" dirty="0" smtClean="0">
+            <a:pPr algn="ctr"/>
+            <a:r>
+              <a:rPr kumimoji="1" lang="zh-TW" altLang="en-US" sz="4800" dirty="0" smtClean="0">
                 <a:latin typeface="Microsoft JhengHei" charset="0"/>
                 <a:ea typeface="Microsoft JhengHei" charset="0"/>
                 <a:cs typeface="Microsoft JhengHei" charset="0"/>
               </a:rPr>
-              <a:t>最後</a:t>
-            </a:r>
-            <a:endParaRPr kumimoji="1" lang="zh-TW" altLang="en-US" sz="6000" dirty="0">
+              <a:t>範例的情境大概如下</a:t>
+            </a:r>
+            <a:endParaRPr kumimoji="1" lang="zh-TW" altLang="en-US" sz="4800" dirty="0">
               <a:latin typeface="Microsoft JhengHei" charset="0"/>
               <a:ea typeface="Microsoft JhengHei" charset="0"/>
               <a:cs typeface="Microsoft JhengHei" charset="0"/>
@@ -12131,16 +12090,997 @@
           </a:p>
         </p:txBody>
       </p:sp>
+      <p:grpSp>
+        <p:nvGrpSpPr>
+          <p:cNvPr id="12" name="群組 11"/>
+          <p:cNvGrpSpPr/>
+          <p:nvPr/>
+        </p:nvGrpSpPr>
+        <p:grpSpPr>
+          <a:xfrm>
+            <a:off x="4211676" y="3917192"/>
+            <a:ext cx="964504" cy="1772433"/>
+            <a:chOff x="5480137" y="3407078"/>
+            <a:chExt cx="964504" cy="1772433"/>
+          </a:xfrm>
+        </p:grpSpPr>
+        <p:sp>
+          <p:nvSpPr>
+            <p:cNvPr id="7" name="流程圖 6"/>
+            <p:cNvSpPr/>
+            <p:nvPr/>
+          </p:nvSpPr>
+          <p:spPr>
+            <a:xfrm rot="16200000">
+              <a:off x="5076172" y="3811043"/>
+              <a:ext cx="1772433" cy="964504"/>
+            </a:xfrm>
+            <a:prstGeom prst="flowChartProcess">
+              <a:avLst/>
+            </a:prstGeom>
+          </p:spPr>
+          <p:style>
+            <a:lnRef idx="1">
+              <a:schemeClr val="accent1"/>
+            </a:lnRef>
+            <a:fillRef idx="3">
+              <a:schemeClr val="accent1"/>
+            </a:fillRef>
+            <a:effectRef idx="2">
+              <a:schemeClr val="accent1"/>
+            </a:effectRef>
+            <a:fontRef idx="minor">
+              <a:schemeClr val="lt1"/>
+            </a:fontRef>
+          </p:style>
+          <p:txBody>
+            <a:bodyPr rtlCol="0" anchor="ctr"/>
+            <a:lstStyle/>
+            <a:p>
+              <a:pPr algn="ctr"/>
+              <a:endParaRPr kumimoji="1" lang="zh-TW" altLang="en-US"/>
+            </a:p>
+          </p:txBody>
+        </p:sp>
+        <p:sp>
+          <p:nvSpPr>
+            <p:cNvPr id="8" name="矩形 7"/>
+            <p:cNvSpPr/>
+            <p:nvPr/>
+          </p:nvSpPr>
+          <p:spPr>
+            <a:xfrm rot="16200000">
+              <a:off x="5868444" y="4553211"/>
+              <a:ext cx="237995" cy="764087"/>
+            </a:xfrm>
+            <a:prstGeom prst="rect">
+              <a:avLst/>
+            </a:prstGeom>
+          </p:spPr>
+          <p:style>
+            <a:lnRef idx="0">
+              <a:schemeClr val="accent5"/>
+            </a:lnRef>
+            <a:fillRef idx="3">
+              <a:schemeClr val="accent5"/>
+            </a:fillRef>
+            <a:effectRef idx="3">
+              <a:schemeClr val="accent5"/>
+            </a:effectRef>
+            <a:fontRef idx="minor">
+              <a:schemeClr val="lt1"/>
+            </a:fontRef>
+          </p:style>
+          <p:txBody>
+            <a:bodyPr rtlCol="0" anchor="ctr"/>
+            <a:lstStyle/>
+            <a:p>
+              <a:pPr algn="ctr"/>
+              <a:endParaRPr kumimoji="1" lang="zh-TW" altLang="en-US"/>
+            </a:p>
+          </p:txBody>
+        </p:sp>
+        <p:sp>
+          <p:nvSpPr>
+            <p:cNvPr id="9" name="矩形 8"/>
+            <p:cNvSpPr/>
+            <p:nvPr/>
+          </p:nvSpPr>
+          <p:spPr>
+            <a:xfrm rot="16200000">
+              <a:off x="5868444" y="4265112"/>
+              <a:ext cx="237995" cy="764087"/>
+            </a:xfrm>
+            <a:prstGeom prst="rect">
+              <a:avLst/>
+            </a:prstGeom>
+          </p:spPr>
+          <p:style>
+            <a:lnRef idx="0">
+              <a:schemeClr val="accent5"/>
+            </a:lnRef>
+            <a:fillRef idx="3">
+              <a:schemeClr val="accent5"/>
+            </a:fillRef>
+            <a:effectRef idx="3">
+              <a:schemeClr val="accent5"/>
+            </a:effectRef>
+            <a:fontRef idx="minor">
+              <a:schemeClr val="lt1"/>
+            </a:fontRef>
+          </p:style>
+          <p:txBody>
+            <a:bodyPr rtlCol="0" anchor="ctr"/>
+            <a:lstStyle/>
+            <a:p>
+              <a:pPr algn="ctr"/>
+              <a:endParaRPr kumimoji="1" lang="zh-TW" altLang="en-US"/>
+            </a:p>
+          </p:txBody>
+        </p:sp>
+        <p:sp>
+          <p:nvSpPr>
+            <p:cNvPr id="10" name="矩形 9"/>
+            <p:cNvSpPr/>
+            <p:nvPr/>
+          </p:nvSpPr>
+          <p:spPr>
+            <a:xfrm rot="16200000">
+              <a:off x="5868444" y="3977013"/>
+              <a:ext cx="237995" cy="764087"/>
+            </a:xfrm>
+            <a:prstGeom prst="rect">
+              <a:avLst/>
+            </a:prstGeom>
+          </p:spPr>
+          <p:style>
+            <a:lnRef idx="0">
+              <a:schemeClr val="accent5"/>
+            </a:lnRef>
+            <a:fillRef idx="3">
+              <a:schemeClr val="accent5"/>
+            </a:fillRef>
+            <a:effectRef idx="3">
+              <a:schemeClr val="accent5"/>
+            </a:effectRef>
+            <a:fontRef idx="minor">
+              <a:schemeClr val="lt1"/>
+            </a:fontRef>
+          </p:style>
+          <p:txBody>
+            <a:bodyPr rtlCol="0" anchor="ctr"/>
+            <a:lstStyle/>
+            <a:p>
+              <a:pPr algn="ctr"/>
+              <a:endParaRPr kumimoji="1" lang="zh-TW" altLang="en-US"/>
+            </a:p>
+          </p:txBody>
+        </p:sp>
+        <p:sp>
+          <p:nvSpPr>
+            <p:cNvPr id="11" name="矩形 10"/>
+            <p:cNvSpPr/>
+            <p:nvPr/>
+          </p:nvSpPr>
+          <p:spPr>
+            <a:xfrm rot="16200000">
+              <a:off x="5868444" y="3688914"/>
+              <a:ext cx="237995" cy="764087"/>
+            </a:xfrm>
+            <a:prstGeom prst="rect">
+              <a:avLst/>
+            </a:prstGeom>
+          </p:spPr>
+          <p:style>
+            <a:lnRef idx="0">
+              <a:schemeClr val="accent5"/>
+            </a:lnRef>
+            <a:fillRef idx="3">
+              <a:schemeClr val="accent5"/>
+            </a:fillRef>
+            <a:effectRef idx="3">
+              <a:schemeClr val="accent5"/>
+            </a:effectRef>
+            <a:fontRef idx="minor">
+              <a:schemeClr val="lt1"/>
+            </a:fontRef>
+          </p:style>
+          <p:txBody>
+            <a:bodyPr rtlCol="0" anchor="ctr"/>
+            <a:lstStyle/>
+            <a:p>
+              <a:pPr algn="ctr"/>
+              <a:endParaRPr kumimoji="1" lang="zh-TW" altLang="en-US"/>
+            </a:p>
+          </p:txBody>
+        </p:sp>
+      </p:grpSp>
+      <p:sp>
+        <p:nvSpPr>
+          <p:cNvPr id="14" name="橢圓 13"/>
+          <p:cNvSpPr/>
+          <p:nvPr/>
+        </p:nvSpPr>
+        <p:spPr>
+          <a:xfrm>
+            <a:off x="9027795" y="2305126"/>
+            <a:ext cx="958883" cy="958883"/>
+          </a:xfrm>
+          <a:prstGeom prst="ellipse">
+            <a:avLst/>
+          </a:prstGeom>
+        </p:spPr>
+        <p:style>
+          <a:lnRef idx="1">
+            <a:schemeClr val="accent4"/>
+          </a:lnRef>
+          <a:fillRef idx="2">
+            <a:schemeClr val="accent4"/>
+          </a:fillRef>
+          <a:effectRef idx="1">
+            <a:schemeClr val="accent4"/>
+          </a:effectRef>
+          <a:fontRef idx="minor">
+            <a:schemeClr val="dk1"/>
+          </a:fontRef>
+        </p:style>
+        <p:txBody>
+          <a:bodyPr rtlCol="0" anchor="ctr"/>
+          <a:lstStyle/>
+          <a:p>
+            <a:pPr algn="ctr"/>
+            <a:endParaRPr kumimoji="1" lang="zh-TW" altLang="en-US"/>
+          </a:p>
+        </p:txBody>
+      </p:sp>
+      <p:sp>
+        <p:nvSpPr>
+          <p:cNvPr id="16" name="磁片 15"/>
+          <p:cNvSpPr/>
+          <p:nvPr/>
+        </p:nvSpPr>
+        <p:spPr>
+          <a:xfrm>
+            <a:off x="7808419" y="4139007"/>
+            <a:ext cx="1586542" cy="1122124"/>
+          </a:xfrm>
+          <a:prstGeom prst="flowChartMagneticDisk">
+            <a:avLst/>
+          </a:prstGeom>
+        </p:spPr>
+        <p:style>
+          <a:lnRef idx="2">
+            <a:schemeClr val="accent2">
+              <a:shade val="50000"/>
+            </a:schemeClr>
+          </a:lnRef>
+          <a:fillRef idx="1">
+            <a:schemeClr val="accent2"/>
+          </a:fillRef>
+          <a:effectRef idx="0">
+            <a:schemeClr val="accent2"/>
+          </a:effectRef>
+          <a:fontRef idx="minor">
+            <a:schemeClr val="lt1"/>
+          </a:fontRef>
+        </p:style>
+        <p:txBody>
+          <a:bodyPr rtlCol="0" anchor="ctr"/>
+          <a:lstStyle/>
+          <a:p>
+            <a:pPr algn="ctr"/>
+            <a:endParaRPr kumimoji="1" lang="zh-TW" altLang="en-US"/>
+          </a:p>
+        </p:txBody>
+      </p:sp>
+      <p:grpSp>
+        <p:nvGrpSpPr>
+          <p:cNvPr id="17" name="群組 16"/>
+          <p:cNvGrpSpPr/>
+          <p:nvPr/>
+        </p:nvGrpSpPr>
+        <p:grpSpPr>
+          <a:xfrm>
+            <a:off x="6010048" y="3917193"/>
+            <a:ext cx="964504" cy="1772433"/>
+            <a:chOff x="5480137" y="3407078"/>
+            <a:chExt cx="964504" cy="1772433"/>
+          </a:xfrm>
+        </p:grpSpPr>
+        <p:sp>
+          <p:nvSpPr>
+            <p:cNvPr id="18" name="流程圖 17"/>
+            <p:cNvSpPr/>
+            <p:nvPr/>
+          </p:nvSpPr>
+          <p:spPr>
+            <a:xfrm rot="16200000">
+              <a:off x="5076172" y="3811043"/>
+              <a:ext cx="1772433" cy="964504"/>
+            </a:xfrm>
+            <a:prstGeom prst="flowChartProcess">
+              <a:avLst/>
+            </a:prstGeom>
+          </p:spPr>
+          <p:style>
+            <a:lnRef idx="1">
+              <a:schemeClr val="accent1"/>
+            </a:lnRef>
+            <a:fillRef idx="3">
+              <a:schemeClr val="accent1"/>
+            </a:fillRef>
+            <a:effectRef idx="2">
+              <a:schemeClr val="accent1"/>
+            </a:effectRef>
+            <a:fontRef idx="minor">
+              <a:schemeClr val="lt1"/>
+            </a:fontRef>
+          </p:style>
+          <p:txBody>
+            <a:bodyPr rtlCol="0" anchor="ctr"/>
+            <a:lstStyle/>
+            <a:p>
+              <a:pPr algn="ctr"/>
+              <a:endParaRPr kumimoji="1" lang="zh-TW" altLang="en-US"/>
+            </a:p>
+          </p:txBody>
+        </p:sp>
+        <p:sp>
+          <p:nvSpPr>
+            <p:cNvPr id="19" name="矩形 18"/>
+            <p:cNvSpPr/>
+            <p:nvPr/>
+          </p:nvSpPr>
+          <p:spPr>
+            <a:xfrm rot="16200000">
+              <a:off x="5868444" y="4553211"/>
+              <a:ext cx="237995" cy="764087"/>
+            </a:xfrm>
+            <a:prstGeom prst="rect">
+              <a:avLst/>
+            </a:prstGeom>
+          </p:spPr>
+          <p:style>
+            <a:lnRef idx="0">
+              <a:schemeClr val="accent4"/>
+            </a:lnRef>
+            <a:fillRef idx="3">
+              <a:schemeClr val="accent4"/>
+            </a:fillRef>
+            <a:effectRef idx="3">
+              <a:schemeClr val="accent4"/>
+            </a:effectRef>
+            <a:fontRef idx="minor">
+              <a:schemeClr val="lt1"/>
+            </a:fontRef>
+          </p:style>
+          <p:txBody>
+            <a:bodyPr rtlCol="0" anchor="ctr"/>
+            <a:lstStyle/>
+            <a:p>
+              <a:pPr algn="ctr"/>
+              <a:endParaRPr kumimoji="1" lang="zh-TW" altLang="en-US"/>
+            </a:p>
+          </p:txBody>
+        </p:sp>
+        <p:sp>
+          <p:nvSpPr>
+            <p:cNvPr id="20" name="矩形 19"/>
+            <p:cNvSpPr/>
+            <p:nvPr/>
+          </p:nvSpPr>
+          <p:spPr>
+            <a:xfrm rot="16200000">
+              <a:off x="5868444" y="4265112"/>
+              <a:ext cx="237995" cy="764087"/>
+            </a:xfrm>
+            <a:prstGeom prst="rect">
+              <a:avLst/>
+            </a:prstGeom>
+          </p:spPr>
+          <p:style>
+            <a:lnRef idx="0">
+              <a:schemeClr val="accent4"/>
+            </a:lnRef>
+            <a:fillRef idx="3">
+              <a:schemeClr val="accent4"/>
+            </a:fillRef>
+            <a:effectRef idx="3">
+              <a:schemeClr val="accent4"/>
+            </a:effectRef>
+            <a:fontRef idx="minor">
+              <a:schemeClr val="lt1"/>
+            </a:fontRef>
+          </p:style>
+          <p:txBody>
+            <a:bodyPr rtlCol="0" anchor="ctr"/>
+            <a:lstStyle/>
+            <a:p>
+              <a:pPr algn="ctr"/>
+              <a:endParaRPr kumimoji="1" lang="zh-TW" altLang="en-US"/>
+            </a:p>
+          </p:txBody>
+        </p:sp>
+      </p:grpSp>
+      <p:sp>
+        <p:nvSpPr>
+          <p:cNvPr id="23" name="文字方塊 22"/>
+          <p:cNvSpPr txBox="1"/>
+          <p:nvPr/>
+        </p:nvSpPr>
+        <p:spPr>
+          <a:xfrm>
+            <a:off x="4015101" y="5671023"/>
+            <a:ext cx="1407758" cy="369332"/>
+          </a:xfrm>
+          <a:prstGeom prst="rect">
+            <a:avLst/>
+          </a:prstGeom>
+          <a:noFill/>
+        </p:spPr>
+        <p:txBody>
+          <a:bodyPr wrap="none" rtlCol="0">
+            <a:spAutoFit/>
+          </a:bodyPr>
+          <a:lstStyle/>
+          <a:p>
+            <a:r>
+              <a:rPr kumimoji="1" lang="en-US" altLang="zh-TW" smtClean="0"/>
+              <a:t>Job queue</a:t>
+            </a:r>
+            <a:endParaRPr kumimoji="1" lang="zh-TW" altLang="en-US" dirty="0"/>
+          </a:p>
+        </p:txBody>
+      </p:sp>
+      <p:sp>
+        <p:nvSpPr>
+          <p:cNvPr id="24" name="文字方塊 23"/>
+          <p:cNvSpPr txBox="1"/>
+          <p:nvPr/>
+        </p:nvSpPr>
+        <p:spPr>
+          <a:xfrm>
+            <a:off x="5754263" y="5685212"/>
+            <a:ext cx="1635384" cy="369332"/>
+          </a:xfrm>
+          <a:prstGeom prst="rect">
+            <a:avLst/>
+          </a:prstGeom>
+          <a:noFill/>
+        </p:spPr>
+        <p:txBody>
+          <a:bodyPr wrap="none" rtlCol="0">
+            <a:spAutoFit/>
+          </a:bodyPr>
+          <a:lstStyle/>
+          <a:p>
+            <a:r>
+              <a:rPr kumimoji="1" lang="en-US" altLang="zh-TW" dirty="0" smtClean="0"/>
+              <a:t>Result queue</a:t>
+            </a:r>
+            <a:endParaRPr kumimoji="1" lang="zh-TW" altLang="en-US" dirty="0"/>
+          </a:p>
+        </p:txBody>
+      </p:sp>
+      <p:sp>
+        <p:nvSpPr>
+          <p:cNvPr id="25" name="橢圓 24"/>
+          <p:cNvSpPr/>
+          <p:nvPr/>
+        </p:nvSpPr>
+        <p:spPr>
+          <a:xfrm>
+            <a:off x="2634281" y="3402157"/>
+            <a:ext cx="958883" cy="958883"/>
+          </a:xfrm>
+          <a:prstGeom prst="ellipse">
+            <a:avLst/>
+          </a:prstGeom>
+        </p:spPr>
+        <p:style>
+          <a:lnRef idx="1">
+            <a:schemeClr val="accent4"/>
+          </a:lnRef>
+          <a:fillRef idx="2">
+            <a:schemeClr val="accent4"/>
+          </a:fillRef>
+          <a:effectRef idx="1">
+            <a:schemeClr val="accent4"/>
+          </a:effectRef>
+          <a:fontRef idx="minor">
+            <a:schemeClr val="dk1"/>
+          </a:fontRef>
+        </p:style>
+        <p:txBody>
+          <a:bodyPr rtlCol="0" anchor="ctr"/>
+          <a:lstStyle/>
+          <a:p>
+            <a:pPr algn="ctr"/>
+            <a:endParaRPr kumimoji="1" lang="zh-TW" altLang="en-US"/>
+          </a:p>
+        </p:txBody>
+      </p:sp>
+      <p:sp>
+        <p:nvSpPr>
+          <p:cNvPr id="26" name="橢圓 25"/>
+          <p:cNvSpPr/>
+          <p:nvPr/>
+        </p:nvSpPr>
+        <p:spPr>
+          <a:xfrm>
+            <a:off x="5071673" y="2305127"/>
+            <a:ext cx="958883" cy="958883"/>
+          </a:xfrm>
+          <a:prstGeom prst="ellipse">
+            <a:avLst/>
+          </a:prstGeom>
+        </p:spPr>
+        <p:style>
+          <a:lnRef idx="1">
+            <a:schemeClr val="accent4"/>
+          </a:lnRef>
+          <a:fillRef idx="2">
+            <a:schemeClr val="accent4"/>
+          </a:fillRef>
+          <a:effectRef idx="1">
+            <a:schemeClr val="accent4"/>
+          </a:effectRef>
+          <a:fontRef idx="minor">
+            <a:schemeClr val="dk1"/>
+          </a:fontRef>
+        </p:style>
+        <p:txBody>
+          <a:bodyPr rtlCol="0" anchor="ctr"/>
+          <a:lstStyle/>
+          <a:p>
+            <a:pPr algn="ctr"/>
+            <a:endParaRPr kumimoji="1" lang="zh-TW" altLang="en-US"/>
+          </a:p>
+        </p:txBody>
+      </p:sp>
+      <p:sp>
+        <p:nvSpPr>
+          <p:cNvPr id="5" name="TextBox 4"/>
+          <p:cNvSpPr txBox="1"/>
+          <p:nvPr/>
+        </p:nvSpPr>
+        <p:spPr>
+          <a:xfrm>
+            <a:off x="1412759" y="2717499"/>
+            <a:ext cx="2436886" cy="646331"/>
+          </a:xfrm>
+          <a:prstGeom prst="rect">
+            <a:avLst/>
+          </a:prstGeom>
+          <a:noFill/>
+        </p:spPr>
+        <p:txBody>
+          <a:bodyPr wrap="none" rtlCol="0">
+            <a:spAutoFit/>
+          </a:bodyPr>
+          <a:lstStyle/>
+          <a:p>
+            <a:r>
+              <a:rPr lang="en-US" altLang="zh-TW" dirty="0" smtClean="0"/>
+              <a:t>1. </a:t>
+            </a:r>
+            <a:r>
+              <a:rPr lang="zh-TW" altLang="en-US" dirty="0" smtClean="0"/>
+              <a:t>從 </a:t>
+            </a:r>
+            <a:r>
+              <a:rPr lang="en-US" altLang="zh-TW" dirty="0" smtClean="0"/>
+              <a:t>Twitter</a:t>
+            </a:r>
+            <a:r>
+              <a:rPr lang="zh-TW" altLang="en-US" dirty="0" smtClean="0"/>
+              <a:t> 監聽訊息</a:t>
+            </a:r>
+            <a:endParaRPr lang="en-US" altLang="zh-TW" dirty="0" smtClean="0"/>
+          </a:p>
+          <a:p>
+            <a:r>
+              <a:rPr lang="zh-TW" altLang="en-US" dirty="0" smtClean="0"/>
+              <a:t>並放入</a:t>
+            </a:r>
+            <a:r>
+              <a:rPr lang="en-US" altLang="zh-TW" dirty="0" smtClean="0"/>
+              <a:t>Job queue</a:t>
+            </a:r>
+            <a:endParaRPr lang="en-US" dirty="0"/>
+          </a:p>
+        </p:txBody>
+      </p:sp>
+      <p:sp>
+        <p:nvSpPr>
+          <p:cNvPr id="29" name="TextBox 28"/>
+          <p:cNvSpPr txBox="1"/>
+          <p:nvPr/>
+        </p:nvSpPr>
+        <p:spPr>
+          <a:xfrm>
+            <a:off x="3818733" y="1655081"/>
+            <a:ext cx="1800493" cy="923330"/>
+          </a:xfrm>
+          <a:prstGeom prst="rect">
+            <a:avLst/>
+          </a:prstGeom>
+          <a:noFill/>
+        </p:spPr>
+        <p:txBody>
+          <a:bodyPr wrap="none" rtlCol="0">
+            <a:spAutoFit/>
+          </a:bodyPr>
+          <a:lstStyle/>
+          <a:p>
+            <a:r>
+              <a:rPr lang="en-US" altLang="zh-TW" dirty="0" smtClean="0"/>
+              <a:t>2. </a:t>
+            </a:r>
+            <a:r>
+              <a:rPr lang="zh-TW" altLang="en-US" dirty="0" smtClean="0"/>
+              <a:t>取出資訊</a:t>
+            </a:r>
+          </a:p>
+          <a:p>
+            <a:r>
+              <a:rPr lang="zh-TW" altLang="en-US" dirty="0" smtClean="0"/>
+              <a:t>比對商品資料庫</a:t>
+            </a:r>
+          </a:p>
+          <a:p>
+            <a:r>
+              <a:rPr lang="zh-TW" altLang="en-US" dirty="0" smtClean="0"/>
+              <a:t>存入結果</a:t>
+            </a:r>
+            <a:endParaRPr lang="en-US" dirty="0"/>
+          </a:p>
+        </p:txBody>
+      </p:sp>
+      <p:sp>
+        <p:nvSpPr>
+          <p:cNvPr id="30" name="TextBox 29"/>
+          <p:cNvSpPr txBox="1"/>
+          <p:nvPr/>
+        </p:nvSpPr>
+        <p:spPr>
+          <a:xfrm>
+            <a:off x="9394961" y="3288947"/>
+            <a:ext cx="2577950" cy="646331"/>
+          </a:xfrm>
+          <a:prstGeom prst="rect">
+            <a:avLst/>
+          </a:prstGeom>
+          <a:noFill/>
+        </p:spPr>
+        <p:txBody>
+          <a:bodyPr wrap="none" rtlCol="0">
+            <a:spAutoFit/>
+          </a:bodyPr>
+          <a:lstStyle/>
+          <a:p>
+            <a:r>
+              <a:rPr lang="en-US" altLang="zh-TW" dirty="0" smtClean="0"/>
+              <a:t>3. </a:t>
+            </a:r>
+            <a:r>
+              <a:rPr lang="zh-TW" altLang="en-US" dirty="0" smtClean="0"/>
+              <a:t>對外即時呈現</a:t>
+            </a:r>
+          </a:p>
+          <a:p>
+            <a:r>
+              <a:rPr lang="en-US" dirty="0" smtClean="0"/>
+              <a:t>Twitter </a:t>
+            </a:r>
+            <a:r>
+              <a:rPr lang="zh-TW" altLang="en-US" dirty="0" smtClean="0"/>
+              <a:t>上被提到的商品</a:t>
+            </a:r>
+            <a:endParaRPr lang="en-US" dirty="0"/>
+          </a:p>
+        </p:txBody>
+      </p:sp>
+      <p:sp>
+        <p:nvSpPr>
+          <p:cNvPr id="31" name="矩形 19"/>
+          <p:cNvSpPr/>
+          <p:nvPr/>
+        </p:nvSpPr>
+        <p:spPr>
+          <a:xfrm rot="16200000">
+            <a:off x="8562665" y="2993845"/>
+            <a:ext cx="237995" cy="764087"/>
+          </a:xfrm>
+          <a:prstGeom prst="rect">
+            <a:avLst/>
+          </a:prstGeom>
+        </p:spPr>
+        <p:style>
+          <a:lnRef idx="0">
+            <a:schemeClr val="accent4"/>
+          </a:lnRef>
+          <a:fillRef idx="3">
+            <a:schemeClr val="accent4"/>
+          </a:fillRef>
+          <a:effectRef idx="3">
+            <a:schemeClr val="accent4"/>
+          </a:effectRef>
+          <a:fontRef idx="minor">
+            <a:schemeClr val="lt1"/>
+          </a:fontRef>
+        </p:style>
+        <p:txBody>
+          <a:bodyPr rtlCol="0" anchor="ctr"/>
+          <a:lstStyle/>
+          <a:p>
+            <a:pPr algn="ctr"/>
+            <a:endParaRPr kumimoji="1" lang="zh-TW" altLang="en-US"/>
+          </a:p>
+        </p:txBody>
+      </p:sp>
+      <p:sp>
+        <p:nvSpPr>
+          <p:cNvPr id="32" name="矩形 19"/>
+          <p:cNvSpPr/>
+          <p:nvPr/>
+        </p:nvSpPr>
+        <p:spPr>
+          <a:xfrm rot="16200000">
+            <a:off x="6070914" y="3255562"/>
+            <a:ext cx="237995" cy="764087"/>
+          </a:xfrm>
+          <a:prstGeom prst="rect">
+            <a:avLst/>
+          </a:prstGeom>
+        </p:spPr>
+        <p:style>
+          <a:lnRef idx="0">
+            <a:schemeClr val="accent4"/>
+          </a:lnRef>
+          <a:fillRef idx="3">
+            <a:schemeClr val="accent4"/>
+          </a:fillRef>
+          <a:effectRef idx="3">
+            <a:schemeClr val="accent4"/>
+          </a:effectRef>
+          <a:fontRef idx="minor">
+            <a:schemeClr val="lt1"/>
+          </a:fontRef>
+        </p:style>
+        <p:txBody>
+          <a:bodyPr rtlCol="0" anchor="ctr"/>
+          <a:lstStyle/>
+          <a:p>
+            <a:pPr algn="ctr"/>
+            <a:endParaRPr kumimoji="1" lang="zh-TW" altLang="en-US"/>
+          </a:p>
+        </p:txBody>
+      </p:sp>
+      <p:sp>
+        <p:nvSpPr>
+          <p:cNvPr id="33" name="矩形 10"/>
+          <p:cNvSpPr/>
+          <p:nvPr/>
+        </p:nvSpPr>
+        <p:spPr>
+          <a:xfrm rot="16200000">
+            <a:off x="4675139" y="3003770"/>
+            <a:ext cx="237995" cy="764087"/>
+          </a:xfrm>
+          <a:prstGeom prst="rect">
+            <a:avLst/>
+          </a:prstGeom>
+        </p:spPr>
+        <p:style>
+          <a:lnRef idx="0">
+            <a:schemeClr val="accent5"/>
+          </a:lnRef>
+          <a:fillRef idx="3">
+            <a:schemeClr val="accent5"/>
+          </a:fillRef>
+          <a:effectRef idx="3">
+            <a:schemeClr val="accent5"/>
+          </a:effectRef>
+          <a:fontRef idx="minor">
+            <a:schemeClr val="lt1"/>
+          </a:fontRef>
+        </p:style>
+        <p:txBody>
+          <a:bodyPr rtlCol="0" anchor="ctr"/>
+          <a:lstStyle/>
+          <a:p>
+            <a:pPr algn="ctr"/>
+            <a:endParaRPr kumimoji="1" lang="zh-TW" altLang="en-US"/>
+          </a:p>
+        </p:txBody>
+      </p:sp>
+      <p:cxnSp>
+        <p:nvCxnSpPr>
+          <p:cNvPr id="21" name="Curved Connector 20"/>
+          <p:cNvCxnSpPr/>
+          <p:nvPr/>
+        </p:nvCxnSpPr>
+        <p:spPr>
+          <a:xfrm>
+            <a:off x="3667874" y="3637605"/>
+            <a:ext cx="821933" cy="595348"/>
+          </a:xfrm>
+          <a:prstGeom prst="curvedConnector3">
+            <a:avLst/>
+          </a:prstGeom>
+          <a:ln>
+            <a:tailEnd type="triangle"/>
+          </a:ln>
+        </p:spPr>
+        <p:style>
+          <a:lnRef idx="3">
+            <a:schemeClr val="accent3"/>
+          </a:lnRef>
+          <a:fillRef idx="0">
+            <a:schemeClr val="accent3"/>
+          </a:fillRef>
+          <a:effectRef idx="2">
+            <a:schemeClr val="accent3"/>
+          </a:effectRef>
+          <a:fontRef idx="minor">
+            <a:schemeClr val="tx1"/>
+          </a:fontRef>
+        </p:style>
+      </p:cxnSp>
+      <p:cxnSp>
+        <p:nvCxnSpPr>
+          <p:cNvPr id="34" name="Curved Connector 33"/>
+          <p:cNvCxnSpPr/>
+          <p:nvPr/>
+        </p:nvCxnSpPr>
+        <p:spPr>
+          <a:xfrm rot="16200000" flipV="1">
+            <a:off x="4560055" y="3871686"/>
+            <a:ext cx="595348" cy="127185"/>
+          </a:xfrm>
+          <a:prstGeom prst="curvedConnector3">
+            <a:avLst/>
+          </a:prstGeom>
+          <a:ln>
+            <a:tailEnd type="triangle"/>
+          </a:ln>
+        </p:spPr>
+        <p:style>
+          <a:lnRef idx="3">
+            <a:schemeClr val="accent3"/>
+          </a:lnRef>
+          <a:fillRef idx="0">
+            <a:schemeClr val="accent3"/>
+          </a:fillRef>
+          <a:effectRef idx="2">
+            <a:schemeClr val="accent3"/>
+          </a:effectRef>
+          <a:fontRef idx="minor">
+            <a:schemeClr val="tx1"/>
+          </a:fontRef>
+        </p:style>
+      </p:cxnSp>
+      <p:cxnSp>
+        <p:nvCxnSpPr>
+          <p:cNvPr id="36" name="Curved Connector 35"/>
+          <p:cNvCxnSpPr>
+            <a:stCxn id="26" idx="6"/>
+          </p:cNvCxnSpPr>
+          <p:nvPr/>
+        </p:nvCxnSpPr>
+        <p:spPr>
+          <a:xfrm>
+            <a:off x="6030556" y="2784569"/>
+            <a:ext cx="257229" cy="720241"/>
+          </a:xfrm>
+          <a:prstGeom prst="curvedConnector2">
+            <a:avLst/>
+          </a:prstGeom>
+          <a:ln>
+            <a:tailEnd type="triangle"/>
+          </a:ln>
+        </p:spPr>
+        <p:style>
+          <a:lnRef idx="3">
+            <a:schemeClr val="accent3"/>
+          </a:lnRef>
+          <a:fillRef idx="0">
+            <a:schemeClr val="accent3"/>
+          </a:fillRef>
+          <a:effectRef idx="2">
+            <a:schemeClr val="accent3"/>
+          </a:effectRef>
+          <a:fontRef idx="minor">
+            <a:schemeClr val="tx1"/>
+          </a:fontRef>
+        </p:style>
+      </p:cxnSp>
+      <p:cxnSp>
+        <p:nvCxnSpPr>
+          <p:cNvPr id="39" name="Curved Connector 38"/>
+          <p:cNvCxnSpPr/>
+          <p:nvPr/>
+        </p:nvCxnSpPr>
+        <p:spPr>
+          <a:xfrm flipV="1">
+            <a:off x="6698751" y="3402157"/>
+            <a:ext cx="1571946" cy="1467013"/>
+          </a:xfrm>
+          <a:prstGeom prst="curvedConnector3">
+            <a:avLst/>
+          </a:prstGeom>
+          <a:ln>
+            <a:tailEnd type="triangle"/>
+          </a:ln>
+        </p:spPr>
+        <p:style>
+          <a:lnRef idx="3">
+            <a:schemeClr val="accent3"/>
+          </a:lnRef>
+          <a:fillRef idx="0">
+            <a:schemeClr val="accent3"/>
+          </a:fillRef>
+          <a:effectRef idx="2">
+            <a:schemeClr val="accent3"/>
+          </a:effectRef>
+          <a:fontRef idx="minor">
+            <a:schemeClr val="tx1"/>
+          </a:fontRef>
+        </p:style>
+      </p:cxnSp>
+      <p:cxnSp>
+        <p:nvCxnSpPr>
+          <p:cNvPr id="41" name="Curved Connector 40"/>
+          <p:cNvCxnSpPr>
+            <a:stCxn id="16" idx="1"/>
+          </p:cNvCxnSpPr>
+          <p:nvPr/>
+        </p:nvCxnSpPr>
+        <p:spPr>
+          <a:xfrm rot="16200000" flipV="1">
+            <a:off x="6638091" y="2175408"/>
+            <a:ext cx="1421508" cy="2505690"/>
+          </a:xfrm>
+          <a:prstGeom prst="curvedConnector2">
+            <a:avLst/>
+          </a:prstGeom>
+          <a:ln>
+            <a:tailEnd type="triangle"/>
+          </a:ln>
+        </p:spPr>
+        <p:style>
+          <a:lnRef idx="3">
+            <a:schemeClr val="accent3"/>
+          </a:lnRef>
+          <a:fillRef idx="0">
+            <a:schemeClr val="accent3"/>
+          </a:fillRef>
+          <a:effectRef idx="2">
+            <a:schemeClr val="accent3"/>
+          </a:effectRef>
+          <a:fontRef idx="minor">
+            <a:schemeClr val="tx1"/>
+          </a:fontRef>
+        </p:style>
+      </p:cxnSp>
     </p:spTree>
     <p:extLst>
       <p:ext uri="{BB962C8B-B14F-4D97-AF65-F5344CB8AC3E}">
-        <p14:creationId xmlns:p14="http://schemas.microsoft.com/office/powerpoint/2010/main" val="396926156"/>
+        <p14:creationId xmlns:p14="http://schemas.microsoft.com/office/powerpoint/2010/main" val="1264095060"/>
       </p:ext>
     </p:extLst>
   </p:cSld>
   <p:clrMapOvr>
     <a:masterClrMapping/>
   </p:clrMapOvr>
+  <p:timing>
+    <p:tnLst>
+      <p:par>
+        <p:cTn id="1" dur="indefinite" restart="never" nodeType="tmRoot"/>
+      </p:par>
+    </p:tnLst>
+  </p:timing>
 </p:sld>
 </file>
 
@@ -12169,8 +13109,8 @@
         </p:nvSpPr>
         <p:spPr>
           <a:xfrm>
-            <a:off x="0" y="826717"/>
-            <a:ext cx="12192000" cy="646331"/>
+            <a:off x="5123146" y="2906038"/>
+            <a:ext cx="1723549" cy="1015663"/>
           </a:xfrm>
           <a:prstGeom prst="rect">
             <a:avLst/>
@@ -12178,53 +13118,20 @@
           <a:noFill/>
         </p:spPr>
         <p:txBody>
-          <a:bodyPr wrap="square" rtlCol="0">
+          <a:bodyPr wrap="none" rtlCol="0">
             <a:spAutoFit/>
           </a:bodyPr>
           <a:lstStyle/>
           <a:p>
-            <a:pPr algn="ctr"/>
-            <a:r>
-              <a:rPr kumimoji="1" lang="zh-TW" altLang="en-US" sz="3600" dirty="0" smtClean="0">
+            <a:r>
+              <a:rPr kumimoji="1" lang="zh-TW" altLang="en-US" sz="6000" dirty="0" smtClean="0">
                 <a:latin typeface="Microsoft JhengHei" charset="0"/>
                 <a:ea typeface="Microsoft JhengHei" charset="0"/>
                 <a:cs typeface="Microsoft JhengHei" charset="0"/>
               </a:rPr>
-              <a:t>Ｍ</a:t>
-            </a:r>
-            <a:r>
-              <a:rPr kumimoji="1" lang="en-US" altLang="zh-TW" sz="3600" dirty="0" err="1" smtClean="0">
-                <a:latin typeface="Microsoft JhengHei" charset="0"/>
-                <a:ea typeface="Microsoft JhengHei" charset="0"/>
-                <a:cs typeface="Microsoft JhengHei" charset="0"/>
-              </a:rPr>
-              <a:t>essage</a:t>
-            </a:r>
-            <a:r>
-              <a:rPr kumimoji="1" lang="en-US" altLang="zh-TW" sz="3600" dirty="0" smtClean="0">
-                <a:latin typeface="Microsoft JhengHei" charset="0"/>
-                <a:ea typeface="Microsoft JhengHei" charset="0"/>
-                <a:cs typeface="Microsoft JhengHei" charset="0"/>
-              </a:rPr>
-              <a:t> queue </a:t>
-            </a:r>
-            <a:r>
-              <a:rPr kumimoji="1" lang="zh-TW" altLang="en-US" sz="3600" dirty="0" smtClean="0">
-                <a:latin typeface="Microsoft JhengHei" charset="0"/>
-                <a:ea typeface="Microsoft JhengHei" charset="0"/>
-                <a:cs typeface="Microsoft JhengHei" charset="0"/>
-              </a:rPr>
-              <a:t>很好用，但是請不要拿來</a:t>
-            </a:r>
-            <a:r>
-              <a:rPr kumimoji="1" lang="en-US" altLang="zh-TW" sz="3600" dirty="0" smtClean="0">
-                <a:latin typeface="Microsoft JhengHei" charset="0"/>
-                <a:ea typeface="Microsoft JhengHei" charset="0"/>
-                <a:cs typeface="Microsoft JhengHei" charset="0"/>
-              </a:rPr>
-              <a:t>…</a:t>
-            </a:r>
-            <a:endParaRPr kumimoji="1" lang="zh-TW" altLang="en-US" sz="3600" dirty="0">
+              <a:t>最後</a:t>
+            </a:r>
+            <a:endParaRPr kumimoji="1" lang="zh-TW" altLang="en-US" sz="6000" dirty="0">
               <a:latin typeface="Microsoft JhengHei" charset="0"/>
               <a:ea typeface="Microsoft JhengHei" charset="0"/>
               <a:cs typeface="Microsoft JhengHei" charset="0"/>
@@ -12232,135 +13139,16 @@
           </a:p>
         </p:txBody>
       </p:sp>
-      <p:sp>
-        <p:nvSpPr>
-          <p:cNvPr id="2" name="文字方塊 1"/>
-          <p:cNvSpPr txBox="1"/>
-          <p:nvPr/>
-        </p:nvSpPr>
-        <p:spPr>
-          <a:xfrm>
-            <a:off x="3292818" y="2455101"/>
-            <a:ext cx="5180329" cy="2554545"/>
-          </a:xfrm>
-          <a:prstGeom prst="rect">
-            <a:avLst/>
-          </a:prstGeom>
-          <a:noFill/>
-        </p:spPr>
-        <p:txBody>
-          <a:bodyPr wrap="none" rtlCol="0">
-            <a:spAutoFit/>
-          </a:bodyPr>
-          <a:lstStyle/>
-          <a:p>
-            <a:pPr algn="ctr"/>
-            <a:r>
-              <a:rPr kumimoji="1" lang="zh-TW" altLang="en-US" sz="4000" dirty="0" smtClean="0">
-                <a:latin typeface="Microsoft JhengHei" charset="0"/>
-                <a:ea typeface="Microsoft JhengHei" charset="0"/>
-                <a:cs typeface="Microsoft JhengHei" charset="0"/>
-              </a:rPr>
-              <a:t>傳遞太大的訊息</a:t>
-            </a:r>
-          </a:p>
-          <a:p>
-            <a:pPr algn="ctr"/>
-            <a:r>
-              <a:rPr kumimoji="1" lang="en-US" altLang="zh-TW" sz="2000" dirty="0" smtClean="0">
-                <a:latin typeface="Microsoft JhengHei" charset="0"/>
-                <a:ea typeface="Microsoft JhengHei" charset="0"/>
-                <a:cs typeface="Microsoft JhengHei" charset="0"/>
-              </a:rPr>
-              <a:t>200KB</a:t>
-            </a:r>
-            <a:r>
-              <a:rPr kumimoji="1" lang="zh-TW" altLang="en-US" sz="2000" dirty="0" smtClean="0">
-                <a:latin typeface="Microsoft JhengHei" charset="0"/>
-                <a:ea typeface="Microsoft JhengHei" charset="0"/>
-                <a:cs typeface="Microsoft JhengHei" charset="0"/>
-              </a:rPr>
-              <a:t>神秘的臨界點</a:t>
-            </a:r>
-          </a:p>
-          <a:p>
-            <a:pPr algn="ctr"/>
-            <a:endParaRPr kumimoji="1" lang="zh-TW" altLang="en-US" sz="4000" dirty="0" smtClean="0">
-              <a:latin typeface="Microsoft JhengHei" charset="0"/>
-              <a:ea typeface="Microsoft JhengHei" charset="0"/>
-              <a:cs typeface="Microsoft JhengHei" charset="0"/>
-            </a:endParaRPr>
-          </a:p>
-          <a:p>
-            <a:pPr algn="ctr"/>
-            <a:r>
-              <a:rPr kumimoji="1" lang="zh-TW" altLang="en-US" sz="4000" dirty="0" smtClean="0">
-                <a:latin typeface="Microsoft JhengHei" charset="0"/>
-                <a:ea typeface="Microsoft JhengHei" charset="0"/>
-                <a:cs typeface="Microsoft JhengHei" charset="0"/>
-              </a:rPr>
-              <a:t>傳遞檔案</a:t>
-            </a:r>
-          </a:p>
-          <a:p>
-            <a:pPr algn="ctr"/>
-            <a:r>
-              <a:rPr kumimoji="1" lang="en-US" altLang="zh-TW" sz="2000" dirty="0" smtClean="0">
-                <a:latin typeface="Microsoft JhengHei" charset="0"/>
-                <a:ea typeface="Microsoft JhengHei" charset="0"/>
-                <a:cs typeface="Microsoft JhengHei" charset="0"/>
-              </a:rPr>
-              <a:t>String </a:t>
-            </a:r>
-            <a:r>
-              <a:rPr kumimoji="1" lang="zh-TW" altLang="en-US" sz="2000" dirty="0" smtClean="0">
-                <a:latin typeface="Microsoft JhengHei" charset="0"/>
-                <a:ea typeface="Microsoft JhengHei" charset="0"/>
-                <a:cs typeface="Microsoft JhengHei" charset="0"/>
-              </a:rPr>
-              <a:t>與</a:t>
-            </a:r>
-            <a:r>
-              <a:rPr kumimoji="1" lang="en-US" altLang="zh-TW" sz="2000" dirty="0" smtClean="0">
-                <a:latin typeface="Microsoft JhengHei" charset="0"/>
-                <a:ea typeface="Microsoft JhengHei" charset="0"/>
-                <a:cs typeface="Microsoft JhengHei" charset="0"/>
-              </a:rPr>
-              <a:t> Binary</a:t>
-            </a:r>
-            <a:r>
-              <a:rPr kumimoji="1" lang="zh-TW" altLang="en-US" sz="2000" dirty="0" smtClean="0">
-                <a:latin typeface="Microsoft JhengHei" charset="0"/>
-                <a:ea typeface="Microsoft JhengHei" charset="0"/>
-                <a:cs typeface="Microsoft JhengHei" charset="0"/>
-              </a:rPr>
-              <a:t> 互相轉換效能不是鬧著玩的</a:t>
-            </a:r>
-            <a:endParaRPr kumimoji="1" lang="zh-TW" altLang="en-US" sz="2000" dirty="0">
-              <a:latin typeface="Microsoft JhengHei" charset="0"/>
-              <a:ea typeface="Microsoft JhengHei" charset="0"/>
-              <a:cs typeface="Microsoft JhengHei" charset="0"/>
-            </a:endParaRPr>
-          </a:p>
-        </p:txBody>
-      </p:sp>
     </p:spTree>
     <p:extLst>
       <p:ext uri="{BB962C8B-B14F-4D97-AF65-F5344CB8AC3E}">
-        <p14:creationId xmlns:p14="http://schemas.microsoft.com/office/powerpoint/2010/main" val="742949164"/>
+        <p14:creationId xmlns:p14="http://schemas.microsoft.com/office/powerpoint/2010/main" val="396926156"/>
       </p:ext>
     </p:extLst>
   </p:cSld>
   <p:clrMapOvr>
     <a:masterClrMapping/>
   </p:clrMapOvr>
-  <p:timing>
-    <p:tnLst>
-      <p:par>
-        <p:cTn id="1" dur="indefinite" restart="never" nodeType="tmRoot"/>
-      </p:par>
-    </p:tnLst>
-  </p:timing>
 </p:sld>
 </file>
 
@@ -12493,6 +13281,226 @@
 </file>
 
 <file path=ppt/slides/slide30.xml><?xml version="1.0" encoding="utf-8"?>
+<p:sld xmlns:a="http://schemas.openxmlformats.org/drawingml/2006/main" xmlns:r="http://schemas.openxmlformats.org/officeDocument/2006/relationships" xmlns:p="http://schemas.openxmlformats.org/presentationml/2006/main">
+  <p:cSld>
+    <p:spTree>
+      <p:nvGrpSpPr>
+        <p:cNvPr id="1" name=""/>
+        <p:cNvGrpSpPr/>
+        <p:nvPr/>
+      </p:nvGrpSpPr>
+      <p:grpSpPr>
+        <a:xfrm>
+          <a:off x="0" y="0"/>
+          <a:ext cx="0" cy="0"/>
+          <a:chOff x="0" y="0"/>
+          <a:chExt cx="0" cy="0"/>
+        </a:xfrm>
+      </p:grpSpPr>
+      <p:sp>
+        <p:nvSpPr>
+          <p:cNvPr id="4" name="文字方塊 3"/>
+          <p:cNvSpPr txBox="1"/>
+          <p:nvPr/>
+        </p:nvSpPr>
+        <p:spPr>
+          <a:xfrm>
+            <a:off x="0" y="826717"/>
+            <a:ext cx="12192000" cy="646331"/>
+          </a:xfrm>
+          <a:prstGeom prst="rect">
+            <a:avLst/>
+          </a:prstGeom>
+          <a:noFill/>
+        </p:spPr>
+        <p:txBody>
+          <a:bodyPr wrap="square" rtlCol="0">
+            <a:spAutoFit/>
+          </a:bodyPr>
+          <a:lstStyle/>
+          <a:p>
+            <a:pPr algn="ctr"/>
+            <a:r>
+              <a:rPr kumimoji="1" lang="zh-TW" altLang="en-US" sz="3600" dirty="0" smtClean="0">
+                <a:latin typeface="Microsoft JhengHei" charset="0"/>
+                <a:ea typeface="Microsoft JhengHei" charset="0"/>
+                <a:cs typeface="Microsoft JhengHei" charset="0"/>
+              </a:rPr>
+              <a:t>Ｍ</a:t>
+            </a:r>
+            <a:r>
+              <a:rPr kumimoji="1" lang="en-US" altLang="zh-TW" sz="3600" dirty="0" err="1" smtClean="0">
+                <a:latin typeface="Microsoft JhengHei" charset="0"/>
+                <a:ea typeface="Microsoft JhengHei" charset="0"/>
+                <a:cs typeface="Microsoft JhengHei" charset="0"/>
+              </a:rPr>
+              <a:t>essage</a:t>
+            </a:r>
+            <a:r>
+              <a:rPr kumimoji="1" lang="en-US" altLang="zh-TW" sz="3600" dirty="0" smtClean="0">
+                <a:latin typeface="Microsoft JhengHei" charset="0"/>
+                <a:ea typeface="Microsoft JhengHei" charset="0"/>
+                <a:cs typeface="Microsoft JhengHei" charset="0"/>
+              </a:rPr>
+              <a:t> queue </a:t>
+            </a:r>
+            <a:r>
+              <a:rPr kumimoji="1" lang="zh-TW" altLang="en-US" sz="3600" dirty="0" smtClean="0">
+                <a:latin typeface="Microsoft JhengHei" charset="0"/>
+                <a:ea typeface="Microsoft JhengHei" charset="0"/>
+                <a:cs typeface="Microsoft JhengHei" charset="0"/>
+              </a:rPr>
+              <a:t>很好用，但是請不要拿來</a:t>
+            </a:r>
+            <a:r>
+              <a:rPr kumimoji="1" lang="en-US" altLang="zh-TW" sz="3600" dirty="0" smtClean="0">
+                <a:latin typeface="Microsoft JhengHei" charset="0"/>
+                <a:ea typeface="Microsoft JhengHei" charset="0"/>
+                <a:cs typeface="Microsoft JhengHei" charset="0"/>
+              </a:rPr>
+              <a:t>…</a:t>
+            </a:r>
+            <a:endParaRPr kumimoji="1" lang="zh-TW" altLang="en-US" sz="3600" dirty="0">
+              <a:latin typeface="Microsoft JhengHei" charset="0"/>
+              <a:ea typeface="Microsoft JhengHei" charset="0"/>
+              <a:cs typeface="Microsoft JhengHei" charset="0"/>
+            </a:endParaRPr>
+          </a:p>
+        </p:txBody>
+      </p:sp>
+      <p:sp>
+        <p:nvSpPr>
+          <p:cNvPr id="2" name="文字方塊 1"/>
+          <p:cNvSpPr txBox="1"/>
+          <p:nvPr/>
+        </p:nvSpPr>
+        <p:spPr>
+          <a:xfrm>
+            <a:off x="3292818" y="2455101"/>
+            <a:ext cx="5180329" cy="2554545"/>
+          </a:xfrm>
+          <a:prstGeom prst="rect">
+            <a:avLst/>
+          </a:prstGeom>
+          <a:noFill/>
+        </p:spPr>
+        <p:txBody>
+          <a:bodyPr wrap="none" rtlCol="0">
+            <a:spAutoFit/>
+          </a:bodyPr>
+          <a:lstStyle/>
+          <a:p>
+            <a:pPr algn="ctr"/>
+            <a:r>
+              <a:rPr kumimoji="1" lang="zh-TW" altLang="en-US" sz="4000" dirty="0" smtClean="0">
+                <a:latin typeface="Microsoft JhengHei" charset="0"/>
+                <a:ea typeface="Microsoft JhengHei" charset="0"/>
+                <a:cs typeface="Microsoft JhengHei" charset="0"/>
+              </a:rPr>
+              <a:t>傳遞太大的訊息</a:t>
+            </a:r>
+          </a:p>
+          <a:p>
+            <a:pPr algn="ctr"/>
+            <a:r>
+              <a:rPr kumimoji="1" lang="en-US" altLang="zh-TW" sz="2000" dirty="0" smtClean="0">
+                <a:latin typeface="Microsoft JhengHei" charset="0"/>
+                <a:ea typeface="Microsoft JhengHei" charset="0"/>
+                <a:cs typeface="Microsoft JhengHei" charset="0"/>
+              </a:rPr>
+              <a:t>200KB</a:t>
+            </a:r>
+            <a:r>
+              <a:rPr kumimoji="1" lang="zh-TW" altLang="en-US" sz="2000" dirty="0" smtClean="0">
+                <a:latin typeface="Microsoft JhengHei" charset="0"/>
+                <a:ea typeface="Microsoft JhengHei" charset="0"/>
+                <a:cs typeface="Microsoft JhengHei" charset="0"/>
+              </a:rPr>
+              <a:t>神秘的臨界點</a:t>
+            </a:r>
+          </a:p>
+          <a:p>
+            <a:pPr algn="ctr"/>
+            <a:endParaRPr kumimoji="1" lang="zh-TW" altLang="en-US" sz="4000" dirty="0" smtClean="0">
+              <a:latin typeface="Microsoft JhengHei" charset="0"/>
+              <a:ea typeface="Microsoft JhengHei" charset="0"/>
+              <a:cs typeface="Microsoft JhengHei" charset="0"/>
+            </a:endParaRPr>
+          </a:p>
+          <a:p>
+            <a:pPr algn="ctr"/>
+            <a:r>
+              <a:rPr kumimoji="1" lang="zh-TW" altLang="en-US" sz="4000" dirty="0" smtClean="0">
+                <a:latin typeface="Microsoft JhengHei" charset="0"/>
+                <a:ea typeface="Microsoft JhengHei" charset="0"/>
+                <a:cs typeface="Microsoft JhengHei" charset="0"/>
+              </a:rPr>
+              <a:t>傳遞檔案</a:t>
+            </a:r>
+          </a:p>
+          <a:p>
+            <a:pPr algn="ctr"/>
+            <a:r>
+              <a:rPr kumimoji="1" lang="en-US" altLang="zh-TW" sz="2000" dirty="0" smtClean="0">
+                <a:latin typeface="Microsoft JhengHei" charset="0"/>
+                <a:ea typeface="Microsoft JhengHei" charset="0"/>
+                <a:cs typeface="Microsoft JhengHei" charset="0"/>
+              </a:rPr>
+              <a:t>String </a:t>
+            </a:r>
+            <a:r>
+              <a:rPr kumimoji="1" lang="zh-TW" altLang="en-US" sz="2000" dirty="0" smtClean="0">
+                <a:latin typeface="Microsoft JhengHei" charset="0"/>
+                <a:ea typeface="Microsoft JhengHei" charset="0"/>
+                <a:cs typeface="Microsoft JhengHei" charset="0"/>
+              </a:rPr>
+              <a:t>與</a:t>
+            </a:r>
+            <a:r>
+              <a:rPr kumimoji="1" lang="en-US" altLang="zh-TW" sz="2000" dirty="0" smtClean="0">
+                <a:latin typeface="Microsoft JhengHei" charset="0"/>
+                <a:ea typeface="Microsoft JhengHei" charset="0"/>
+                <a:cs typeface="Microsoft JhengHei" charset="0"/>
+              </a:rPr>
+              <a:t> Binary</a:t>
+            </a:r>
+            <a:r>
+              <a:rPr kumimoji="1" lang="zh-TW" altLang="en-US" sz="2000" dirty="0" smtClean="0">
+                <a:latin typeface="Microsoft JhengHei" charset="0"/>
+                <a:ea typeface="Microsoft JhengHei" charset="0"/>
+                <a:cs typeface="Microsoft JhengHei" charset="0"/>
+              </a:rPr>
+              <a:t> 互相轉換效能不是鬧著玩的</a:t>
+            </a:r>
+            <a:endParaRPr kumimoji="1" lang="zh-TW" altLang="en-US" sz="2000" dirty="0">
+              <a:latin typeface="Microsoft JhengHei" charset="0"/>
+              <a:ea typeface="Microsoft JhengHei" charset="0"/>
+              <a:cs typeface="Microsoft JhengHei" charset="0"/>
+            </a:endParaRPr>
+          </a:p>
+        </p:txBody>
+      </p:sp>
+    </p:spTree>
+    <p:extLst>
+      <p:ext uri="{BB962C8B-B14F-4D97-AF65-F5344CB8AC3E}">
+        <p14:creationId xmlns:p14="http://schemas.microsoft.com/office/powerpoint/2010/main" val="742949164"/>
+      </p:ext>
+    </p:extLst>
+  </p:cSld>
+  <p:clrMapOvr>
+    <a:masterClrMapping/>
+  </p:clrMapOvr>
+  <p:timing>
+    <p:tnLst>
+      <p:par>
+        <p:cTn id="1" dur="indefinite" restart="never" nodeType="tmRoot"/>
+      </p:par>
+    </p:tnLst>
+  </p:timing>
+</p:sld>
+</file>
+
+<file path=ppt/slides/slide31.xml><?xml version="1.0" encoding="utf-8"?>
 <p:sld xmlns:a="http://schemas.openxmlformats.org/drawingml/2006/main" xmlns:r="http://schemas.openxmlformats.org/officeDocument/2006/relationships" xmlns:p="http://schemas.openxmlformats.org/presentationml/2006/main">
   <p:cSld>
     <p:spTree>
